--- a/assets/tactile_image_files/0048-plunging_folds_cross-section_projected/0048-plunging_folds_cross-section_projected.pptx
+++ b/assets/tactile_image_files/0048-plunging_folds_cross-section_projected/0048-plunging_folds_cross-section_projected.pptx
@@ -253,7 +253,7 @@
           <a:p>
             <a:fld id="{E796F801-3BB8-A247-923B-F07F1B58D38A}" type="datetimeFigureOut">
               <a:rPr lang="en-US" smtClean="0"/>
-              <a:t>7/24/20</a:t>
+              <a:t>12/18/20</a:t>
             </a:fld>
             <a:endParaRPr lang="en-US"/>
           </a:p>
@@ -433,7 +433,7 @@
           <a:p>
             <a:fld id="{E796F801-3BB8-A247-923B-F07F1B58D38A}" type="datetimeFigureOut">
               <a:rPr lang="en-US" smtClean="0"/>
-              <a:t>7/24/20</a:t>
+              <a:t>12/18/20</a:t>
             </a:fld>
             <a:endParaRPr lang="en-US"/>
           </a:p>
@@ -603,7 +603,7 @@
           <a:p>
             <a:fld id="{E796F801-3BB8-A247-923B-F07F1B58D38A}" type="datetimeFigureOut">
               <a:rPr lang="en-US" smtClean="0"/>
-              <a:t>7/24/20</a:t>
+              <a:t>12/18/20</a:t>
             </a:fld>
             <a:endParaRPr lang="en-US"/>
           </a:p>
@@ -847,7 +847,7 @@
           <a:p>
             <a:fld id="{E796F801-3BB8-A247-923B-F07F1B58D38A}" type="datetimeFigureOut">
               <a:rPr lang="en-US" smtClean="0"/>
-              <a:t>7/24/20</a:t>
+              <a:t>12/18/20</a:t>
             </a:fld>
             <a:endParaRPr lang="en-US"/>
           </a:p>
@@ -1079,7 +1079,7 @@
           <a:p>
             <a:fld id="{E796F801-3BB8-A247-923B-F07F1B58D38A}" type="datetimeFigureOut">
               <a:rPr lang="en-US" smtClean="0"/>
-              <a:t>7/24/20</a:t>
+              <a:t>12/18/20</a:t>
             </a:fld>
             <a:endParaRPr lang="en-US"/>
           </a:p>
@@ -1446,7 +1446,7 @@
           <a:p>
             <a:fld id="{E796F801-3BB8-A247-923B-F07F1B58D38A}" type="datetimeFigureOut">
               <a:rPr lang="en-US" smtClean="0"/>
-              <a:t>7/24/20</a:t>
+              <a:t>12/18/20</a:t>
             </a:fld>
             <a:endParaRPr lang="en-US"/>
           </a:p>
@@ -1564,7 +1564,7 @@
           <a:p>
             <a:fld id="{E796F801-3BB8-A247-923B-F07F1B58D38A}" type="datetimeFigureOut">
               <a:rPr lang="en-US" smtClean="0"/>
-              <a:t>7/24/20</a:t>
+              <a:t>12/18/20</a:t>
             </a:fld>
             <a:endParaRPr lang="en-US"/>
           </a:p>
@@ -1659,7 +1659,7 @@
           <a:p>
             <a:fld id="{E796F801-3BB8-A247-923B-F07F1B58D38A}" type="datetimeFigureOut">
               <a:rPr lang="en-US" smtClean="0"/>
-              <a:t>7/24/20</a:t>
+              <a:t>12/18/20</a:t>
             </a:fld>
             <a:endParaRPr lang="en-US"/>
           </a:p>
@@ -1936,7 +1936,7 @@
           <a:p>
             <a:fld id="{E796F801-3BB8-A247-923B-F07F1B58D38A}" type="datetimeFigureOut">
               <a:rPr lang="en-US" smtClean="0"/>
-              <a:t>7/24/20</a:t>
+              <a:t>12/18/20</a:t>
             </a:fld>
             <a:endParaRPr lang="en-US"/>
           </a:p>
@@ -2193,7 +2193,7 @@
           <a:p>
             <a:fld id="{E796F801-3BB8-A247-923B-F07F1B58D38A}" type="datetimeFigureOut">
               <a:rPr lang="en-US" smtClean="0"/>
-              <a:t>7/24/20</a:t>
+              <a:t>12/18/20</a:t>
             </a:fld>
             <a:endParaRPr lang="en-US"/>
           </a:p>
@@ -2406,7 +2406,7 @@
           <a:p>
             <a:fld id="{E796F801-3BB8-A247-923B-F07F1B58D38A}" type="datetimeFigureOut">
               <a:rPr lang="en-US" smtClean="0"/>
-              <a:t>7/24/20</a:t>
+              <a:t>12/18/20</a:t>
             </a:fld>
             <a:endParaRPr lang="en-US"/>
           </a:p>
@@ -4469,8 +4469,8 @@
         </p:nvSpPr>
         <p:spPr>
           <a:xfrm>
-            <a:off x="8148083" y="2300176"/>
-            <a:ext cx="649537" cy="461665"/>
+            <a:off x="8413897" y="2332073"/>
+            <a:ext cx="407484" cy="461665"/>
           </a:xfrm>
           <a:prstGeom prst="rect">
             <a:avLst/>
@@ -4487,7 +4487,7 @@
               <a:rPr lang="en-US" sz="2400">
                 <a:latin typeface="Swell Braille" pitchFamily="49"/>
               </a:rPr>
-              <a:t>⠼⠋</a:t>
+              <a:t>B</a:t>
             </a:r>
           </a:p>
         </p:txBody>

--- a/assets/tactile_image_files/0048-plunging_folds_cross-section_projected/0048-plunging_folds_cross-section_projected.pptx
+++ b/assets/tactile_image_files/0048-plunging_folds_cross-section_projected/0048-plunging_folds_cross-section_projected.pptx
@@ -253,7 +253,7 @@
           <a:p>
             <a:fld id="{E796F801-3BB8-A247-923B-F07F1B58D38A}" type="datetimeFigureOut">
               <a:rPr lang="en-US" smtClean="0"/>
-              <a:t>12/18/20</a:t>
+              <a:t>7/24/20</a:t>
             </a:fld>
             <a:endParaRPr lang="en-US"/>
           </a:p>
@@ -433,7 +433,7 @@
           <a:p>
             <a:fld id="{E796F801-3BB8-A247-923B-F07F1B58D38A}" type="datetimeFigureOut">
               <a:rPr lang="en-US" smtClean="0"/>
-              <a:t>12/18/20</a:t>
+              <a:t>7/24/20</a:t>
             </a:fld>
             <a:endParaRPr lang="en-US"/>
           </a:p>
@@ -603,7 +603,7 @@
           <a:p>
             <a:fld id="{E796F801-3BB8-A247-923B-F07F1B58D38A}" type="datetimeFigureOut">
               <a:rPr lang="en-US" smtClean="0"/>
-              <a:t>12/18/20</a:t>
+              <a:t>7/24/20</a:t>
             </a:fld>
             <a:endParaRPr lang="en-US"/>
           </a:p>
@@ -847,7 +847,7 @@
           <a:p>
             <a:fld id="{E796F801-3BB8-A247-923B-F07F1B58D38A}" type="datetimeFigureOut">
               <a:rPr lang="en-US" smtClean="0"/>
-              <a:t>12/18/20</a:t>
+              <a:t>7/24/20</a:t>
             </a:fld>
             <a:endParaRPr lang="en-US"/>
           </a:p>
@@ -1079,7 +1079,7 @@
           <a:p>
             <a:fld id="{E796F801-3BB8-A247-923B-F07F1B58D38A}" type="datetimeFigureOut">
               <a:rPr lang="en-US" smtClean="0"/>
-              <a:t>12/18/20</a:t>
+              <a:t>7/24/20</a:t>
             </a:fld>
             <a:endParaRPr lang="en-US"/>
           </a:p>
@@ -1446,7 +1446,7 @@
           <a:p>
             <a:fld id="{E796F801-3BB8-A247-923B-F07F1B58D38A}" type="datetimeFigureOut">
               <a:rPr lang="en-US" smtClean="0"/>
-              <a:t>12/18/20</a:t>
+              <a:t>7/24/20</a:t>
             </a:fld>
             <a:endParaRPr lang="en-US"/>
           </a:p>
@@ -1564,7 +1564,7 @@
           <a:p>
             <a:fld id="{E796F801-3BB8-A247-923B-F07F1B58D38A}" type="datetimeFigureOut">
               <a:rPr lang="en-US" smtClean="0"/>
-              <a:t>12/18/20</a:t>
+              <a:t>7/24/20</a:t>
             </a:fld>
             <a:endParaRPr lang="en-US"/>
           </a:p>
@@ -1659,7 +1659,7 @@
           <a:p>
             <a:fld id="{E796F801-3BB8-A247-923B-F07F1B58D38A}" type="datetimeFigureOut">
               <a:rPr lang="en-US" smtClean="0"/>
-              <a:t>12/18/20</a:t>
+              <a:t>7/24/20</a:t>
             </a:fld>
             <a:endParaRPr lang="en-US"/>
           </a:p>
@@ -1936,7 +1936,7 @@
           <a:p>
             <a:fld id="{E796F801-3BB8-A247-923B-F07F1B58D38A}" type="datetimeFigureOut">
               <a:rPr lang="en-US" smtClean="0"/>
-              <a:t>12/18/20</a:t>
+              <a:t>7/24/20</a:t>
             </a:fld>
             <a:endParaRPr lang="en-US"/>
           </a:p>
@@ -2193,7 +2193,7 @@
           <a:p>
             <a:fld id="{E796F801-3BB8-A247-923B-F07F1B58D38A}" type="datetimeFigureOut">
               <a:rPr lang="en-US" smtClean="0"/>
-              <a:t>12/18/20</a:t>
+              <a:t>7/24/20</a:t>
             </a:fld>
             <a:endParaRPr lang="en-US"/>
           </a:p>
@@ -2406,7 +2406,7 @@
           <a:p>
             <a:fld id="{E796F801-3BB8-A247-923B-F07F1B58D38A}" type="datetimeFigureOut">
               <a:rPr lang="en-US" smtClean="0"/>
-              <a:t>12/18/20</a:t>
+              <a:t>7/24/20</a:t>
             </a:fld>
             <a:endParaRPr lang="en-US"/>
           </a:p>
@@ -4469,8 +4469,8 @@
         </p:nvSpPr>
         <p:spPr>
           <a:xfrm>
-            <a:off x="8413897" y="2332073"/>
-            <a:ext cx="407484" cy="461665"/>
+            <a:off x="8148083" y="2300176"/>
+            <a:ext cx="649537" cy="461665"/>
           </a:xfrm>
           <a:prstGeom prst="rect">
             <a:avLst/>
@@ -4487,7 +4487,7 @@
               <a:rPr lang="en-US" sz="2400">
                 <a:latin typeface="Swell Braille" pitchFamily="49"/>
               </a:rPr>
-              <a:t>B</a:t>
+              <a:t>⠼⠋</a:t>
             </a:r>
           </a:p>
         </p:txBody>
